--- a/DoccumentPresent/FireBasePresent.pptx
+++ b/DoccumentPresent/FireBasePresent.pptx
@@ -119,6 +119,11 @@
       </a:defRPr>
     </a:lvl9pPr>
   </p:defaultTextStyle>
+  <p:extLst>
+    <p:ext uri="{EFAFB233-063F-42B5-8137-9DF3F51BA10A}">
+      <p15:sldGuideLst xmlns:p15="http://schemas.microsoft.com/office/powerpoint/2012/main"/>
+    </p:ext>
+  </p:extLst>
 </p:presentation>
 </file>
 
@@ -348,7 +353,7 @@
           <a:p>
             <a:fld id="{03723016-4085-4249-BF7A-252B226C70CC}" type="datetimeFigureOut">
               <a:rPr lang="en-US" smtClean="0"/>
-              <a:t>11/13/2018</a:t>
+              <a:t>11/14/2018</a:t>
             </a:fld>
             <a:endParaRPr lang="en-US"/>
           </a:p>
@@ -556,7 +561,7 @@
           <a:p>
             <a:fld id="{03723016-4085-4249-BF7A-252B226C70CC}" type="datetimeFigureOut">
               <a:rPr lang="en-US" smtClean="0"/>
-              <a:t>11/13/2018</a:t>
+              <a:t>11/14/2018</a:t>
             </a:fld>
             <a:endParaRPr lang="en-US"/>
           </a:p>
@@ -812,7 +817,7 @@
           <a:p>
             <a:fld id="{03723016-4085-4249-BF7A-252B226C70CC}" type="datetimeFigureOut">
               <a:rPr lang="en-US" smtClean="0"/>
-              <a:t>11/13/2018</a:t>
+              <a:t>11/14/2018</a:t>
             </a:fld>
             <a:endParaRPr lang="en-US"/>
           </a:p>
@@ -982,7 +987,7 @@
           <a:p>
             <a:fld id="{03723016-4085-4249-BF7A-252B226C70CC}" type="datetimeFigureOut">
               <a:rPr lang="en-US" smtClean="0"/>
-              <a:t>11/13/2018</a:t>
+              <a:t>11/14/2018</a:t>
             </a:fld>
             <a:endParaRPr lang="en-US"/>
           </a:p>
@@ -1325,7 +1330,7 @@
           <a:p>
             <a:fld id="{03723016-4085-4249-BF7A-252B226C70CC}" type="datetimeFigureOut">
               <a:rPr lang="en-US" smtClean="0"/>
-              <a:t>11/13/2018</a:t>
+              <a:t>11/14/2018</a:t>
             </a:fld>
             <a:endParaRPr lang="en-US"/>
           </a:p>
@@ -1600,7 +1605,7 @@
           <a:p>
             <a:fld id="{03723016-4085-4249-BF7A-252B226C70CC}" type="datetimeFigureOut">
               <a:rPr lang="en-US" smtClean="0"/>
-              <a:t>11/13/2018</a:t>
+              <a:t>11/14/2018</a:t>
             </a:fld>
             <a:endParaRPr lang="en-US"/>
           </a:p>
@@ -1984,7 +1989,7 @@
           <a:p>
             <a:fld id="{03723016-4085-4249-BF7A-252B226C70CC}" type="datetimeFigureOut">
               <a:rPr lang="en-US" smtClean="0"/>
-              <a:t>11/13/2018</a:t>
+              <a:t>11/14/2018</a:t>
             </a:fld>
             <a:endParaRPr lang="en-US"/>
           </a:p>
@@ -2107,7 +2112,7 @@
           <a:p>
             <a:fld id="{03723016-4085-4249-BF7A-252B226C70CC}" type="datetimeFigureOut">
               <a:rPr lang="en-US" smtClean="0"/>
-              <a:t>11/13/2018</a:t>
+              <a:t>11/14/2018</a:t>
             </a:fld>
             <a:endParaRPr lang="en-US"/>
           </a:p>
@@ -2278,7 +2283,7 @@
           <a:p>
             <a:fld id="{03723016-4085-4249-BF7A-252B226C70CC}" type="datetimeFigureOut">
               <a:rPr lang="en-US" smtClean="0"/>
-              <a:t>11/13/2018</a:t>
+              <a:t>11/14/2018</a:t>
             </a:fld>
             <a:endParaRPr lang="en-US"/>
           </a:p>
@@ -2632,7 +2637,7 @@
           <a:p>
             <a:fld id="{03723016-4085-4249-BF7A-252B226C70CC}" type="datetimeFigureOut">
               <a:rPr lang="en-US" smtClean="0"/>
-              <a:t>11/13/2018</a:t>
+              <a:t>11/14/2018</a:t>
             </a:fld>
             <a:endParaRPr lang="en-US"/>
           </a:p>
@@ -3014,7 +3019,7 @@
           <a:p>
             <a:fld id="{03723016-4085-4249-BF7A-252B226C70CC}" type="datetimeFigureOut">
               <a:rPr lang="en-US" smtClean="0"/>
-              <a:t>11/13/2018</a:t>
+              <a:t>11/14/2018</a:t>
             </a:fld>
             <a:endParaRPr lang="en-US"/>
           </a:p>
@@ -3301,7 +3306,7 @@
           <a:p>
             <a:fld id="{03723016-4085-4249-BF7A-252B226C70CC}" type="datetimeFigureOut">
               <a:rPr lang="en-US" smtClean="0"/>
-              <a:t>11/13/2018</a:t>
+              <a:t>11/14/2018</a:t>
             </a:fld>
             <a:endParaRPr lang="en-US"/>
           </a:p>
@@ -3957,6 +3962,18 @@
   <p:clrMapOvr>
     <a:masterClrMapping/>
   </p:clrMapOvr>
+  <mc:AlternateContent xmlns:mc="http://schemas.openxmlformats.org/markup-compatibility/2006">
+    <mc:Choice xmlns:p14="http://schemas.microsoft.com/office/powerpoint/2010/main" Requires="p14">
+      <p:transition spd="slow">
+        <p14:flash/>
+      </p:transition>
+    </mc:Choice>
+    <mc:Fallback>
+      <p:transition spd="slow">
+        <p:fade/>
+      </p:transition>
+    </mc:Fallback>
+  </mc:AlternateContent>
   <p:timing>
     <p:tnLst>
       <p:par>
@@ -4103,6 +4120,18 @@
   <p:clrMapOvr>
     <a:masterClrMapping/>
   </p:clrMapOvr>
+  <mc:AlternateContent xmlns:mc="http://schemas.openxmlformats.org/markup-compatibility/2006">
+    <mc:Choice xmlns:p14="http://schemas.microsoft.com/office/powerpoint/2010/main" Requires="p14">
+      <p:transition spd="slow">
+        <p14:flash/>
+      </p:transition>
+    </mc:Choice>
+    <mc:Fallback>
+      <p:transition spd="slow">
+        <p:fade/>
+      </p:transition>
+    </mc:Fallback>
+  </mc:AlternateContent>
   <p:timing>
     <p:tnLst>
       <p:par>
@@ -4219,6 +4248,18 @@
   <p:clrMapOvr>
     <a:masterClrMapping/>
   </p:clrMapOvr>
+  <mc:AlternateContent xmlns:mc="http://schemas.openxmlformats.org/markup-compatibility/2006">
+    <mc:Choice xmlns:p14="http://schemas.microsoft.com/office/powerpoint/2010/main" Requires="p14">
+      <p:transition spd="slow">
+        <p14:flash/>
+      </p:transition>
+    </mc:Choice>
+    <mc:Fallback>
+      <p:transition spd="slow">
+        <p:fade/>
+      </p:transition>
+    </mc:Fallback>
+  </mc:AlternateContent>
   <p:timing>
     <p:tnLst>
       <p:par>
@@ -4330,6 +4371,18 @@
   <p:clrMapOvr>
     <a:masterClrMapping/>
   </p:clrMapOvr>
+  <mc:AlternateContent xmlns:mc="http://schemas.openxmlformats.org/markup-compatibility/2006">
+    <mc:Choice xmlns:p14="http://schemas.microsoft.com/office/powerpoint/2010/main" Requires="p14">
+      <p:transition spd="slow">
+        <p14:flash/>
+      </p:transition>
+    </mc:Choice>
+    <mc:Fallback>
+      <p:transition spd="slow">
+        <p:fade/>
+      </p:transition>
+    </mc:Fallback>
+  </mc:AlternateContent>
   <p:timing>
     <p:tnLst>
       <p:par>
@@ -4684,6 +4737,18 @@
   <p:clrMapOvr>
     <a:masterClrMapping/>
   </p:clrMapOvr>
+  <mc:AlternateContent xmlns:mc="http://schemas.openxmlformats.org/markup-compatibility/2006">
+    <mc:Choice xmlns:p14="http://schemas.microsoft.com/office/powerpoint/2010/main" Requires="p14">
+      <p:transition spd="slow">
+        <p14:flash/>
+      </p:transition>
+    </mc:Choice>
+    <mc:Fallback>
+      <p:transition spd="slow">
+        <p:fade/>
+      </p:transition>
+    </mc:Fallback>
+  </mc:AlternateContent>
   <p:timing>
     <p:tnLst>
       <p:par>
@@ -5054,6 +5119,18 @@
   <p:clrMapOvr>
     <a:masterClrMapping/>
   </p:clrMapOvr>
+  <mc:AlternateContent xmlns:mc="http://schemas.openxmlformats.org/markup-compatibility/2006">
+    <mc:Choice xmlns:p14="http://schemas.microsoft.com/office/powerpoint/2010/main" Requires="p14">
+      <p:transition spd="slow">
+        <p14:flash/>
+      </p:transition>
+    </mc:Choice>
+    <mc:Fallback>
+      <p:transition spd="slow">
+        <p:fade/>
+      </p:transition>
+    </mc:Fallback>
+  </mc:AlternateContent>
   <p:timing>
     <p:tnLst>
       <p:par>
@@ -5497,6 +5574,18 @@
   <p:clrMapOvr>
     <a:masterClrMapping/>
   </p:clrMapOvr>
+  <mc:AlternateContent xmlns:mc="http://schemas.openxmlformats.org/markup-compatibility/2006">
+    <mc:Choice xmlns:p14="http://schemas.microsoft.com/office/powerpoint/2010/main" Requires="p14">
+      <p:transition spd="slow">
+        <p14:flash/>
+      </p:transition>
+    </mc:Choice>
+    <mc:Fallback>
+      <p:transition spd="slow">
+        <p:fade/>
+      </p:transition>
+    </mc:Fallback>
+  </mc:AlternateContent>
   <p:timing>
     <p:tnLst>
       <p:par>
@@ -5851,6 +5940,18 @@
   <p:clrMapOvr>
     <a:masterClrMapping/>
   </p:clrMapOvr>
+  <mc:AlternateContent xmlns:mc="http://schemas.openxmlformats.org/markup-compatibility/2006">
+    <mc:Choice xmlns:p14="http://schemas.microsoft.com/office/powerpoint/2010/main" Requires="p14">
+      <p:transition spd="slow">
+        <p14:flash/>
+      </p:transition>
+    </mc:Choice>
+    <mc:Fallback>
+      <p:transition spd="slow">
+        <p:fade/>
+      </p:transition>
+    </mc:Fallback>
+  </mc:AlternateContent>
   <p:timing>
     <p:tnLst>
       <p:par>
@@ -6099,6 +6200,18 @@
   <p:clrMapOvr>
     <a:masterClrMapping/>
   </p:clrMapOvr>
+  <mc:AlternateContent xmlns:mc="http://schemas.openxmlformats.org/markup-compatibility/2006">
+    <mc:Choice xmlns:p14="http://schemas.microsoft.com/office/powerpoint/2010/main" Requires="p14">
+      <p:transition spd="slow">
+        <p14:flash/>
+      </p:transition>
+    </mc:Choice>
+    <mc:Fallback>
+      <p:transition spd="slow">
+        <p:fade/>
+      </p:transition>
+    </mc:Fallback>
+  </mc:AlternateContent>
   <p:timing>
     <p:tnLst>
       <p:par>
@@ -6215,6 +6328,18 @@
   <p:clrMapOvr>
     <a:masterClrMapping/>
   </p:clrMapOvr>
+  <mc:AlternateContent xmlns:mc="http://schemas.openxmlformats.org/markup-compatibility/2006">
+    <mc:Choice xmlns:p14="http://schemas.microsoft.com/office/powerpoint/2010/main" Requires="p14">
+      <p:transition spd="slow">
+        <p14:flash/>
+      </p:transition>
+    </mc:Choice>
+    <mc:Fallback>
+      <p:transition spd="slow">
+        <p:fade/>
+      </p:transition>
+    </mc:Fallback>
+  </mc:AlternateContent>
   <p:timing>
     <p:tnLst>
       <p:par>
@@ -6331,6 +6456,18 @@
   <p:clrMapOvr>
     <a:masterClrMapping/>
   </p:clrMapOvr>
+  <mc:AlternateContent xmlns:mc="http://schemas.openxmlformats.org/markup-compatibility/2006">
+    <mc:Choice xmlns:p14="http://schemas.microsoft.com/office/powerpoint/2010/main" Requires="p14">
+      <p:transition spd="slow">
+        <p14:flash/>
+      </p:transition>
+    </mc:Choice>
+    <mc:Fallback>
+      <p:transition spd="slow">
+        <p:fade/>
+      </p:transition>
+    </mc:Fallback>
+  </mc:AlternateContent>
   <p:timing>
     <p:tnLst>
       <p:par>
@@ -6485,6 +6622,18 @@
   <p:clrMapOvr>
     <a:masterClrMapping/>
   </p:clrMapOvr>
+  <mc:AlternateContent xmlns:mc="http://schemas.openxmlformats.org/markup-compatibility/2006">
+    <mc:Choice xmlns:p14="http://schemas.microsoft.com/office/powerpoint/2010/main" Requires="p14">
+      <p:transition spd="slow">
+        <p14:flash/>
+      </p:transition>
+    </mc:Choice>
+    <mc:Fallback>
+      <p:transition spd="slow">
+        <p:fade/>
+      </p:transition>
+    </mc:Fallback>
+  </mc:AlternateContent>
   <p:timing>
     <p:tnLst>
       <p:par>
@@ -6627,6 +6776,18 @@
   <p:clrMapOvr>
     <a:masterClrMapping/>
   </p:clrMapOvr>
+  <mc:AlternateContent xmlns:mc="http://schemas.openxmlformats.org/markup-compatibility/2006">
+    <mc:Choice xmlns:p14="http://schemas.microsoft.com/office/powerpoint/2010/main" Requires="p14">
+      <p:transition spd="slow">
+        <p14:flash/>
+      </p:transition>
+    </mc:Choice>
+    <mc:Fallback>
+      <p:transition spd="slow">
+        <p:fade/>
+      </p:transition>
+    </mc:Fallback>
+  </mc:AlternateContent>
   <p:timing>
     <p:tnLst>
       <p:par>
@@ -6694,6 +6855,18 @@
   <p:clrMapOvr>
     <a:masterClrMapping/>
   </p:clrMapOvr>
+  <mc:AlternateContent xmlns:mc="http://schemas.openxmlformats.org/markup-compatibility/2006">
+    <mc:Choice xmlns:p14="http://schemas.microsoft.com/office/powerpoint/2010/main" Requires="p14">
+      <p:transition spd="slow">
+        <p14:flash/>
+      </p:transition>
+    </mc:Choice>
+    <mc:Fallback>
+      <p:transition spd="slow">
+        <p:fade/>
+      </p:transition>
+    </mc:Fallback>
+  </mc:AlternateContent>
   <p:timing>
     <p:tnLst>
       <p:par>
@@ -6866,6 +7039,18 @@
   <p:clrMapOvr>
     <a:masterClrMapping/>
   </p:clrMapOvr>
+  <mc:AlternateContent xmlns:mc="http://schemas.openxmlformats.org/markup-compatibility/2006">
+    <mc:Choice xmlns:p14="http://schemas.microsoft.com/office/powerpoint/2010/main" Requires="p14">
+      <p:transition spd="slow">
+        <p14:flash/>
+      </p:transition>
+    </mc:Choice>
+    <mc:Fallback>
+      <p:transition spd="slow">
+        <p:fade/>
+      </p:transition>
+    </mc:Fallback>
+  </mc:AlternateContent>
   <p:timing>
     <p:tnLst>
       <p:par>
@@ -7098,6 +7283,18 @@
   <p:clrMapOvr>
     <a:masterClrMapping/>
   </p:clrMapOvr>
+  <mc:AlternateContent xmlns:mc="http://schemas.openxmlformats.org/markup-compatibility/2006">
+    <mc:Choice xmlns:p14="http://schemas.microsoft.com/office/powerpoint/2010/main" Requires="p14">
+      <p:transition spd="slow">
+        <p14:flash/>
+      </p:transition>
+    </mc:Choice>
+    <mc:Fallback>
+      <p:transition spd="slow">
+        <p:fade/>
+      </p:transition>
+    </mc:Fallback>
+  </mc:AlternateContent>
   <p:timing>
     <p:tnLst>
       <p:par>
